--- a/examples/LeNet.pptx
+++ b/examples/LeNet.pptx
@@ -3264,7 +3264,7 @@
           <a:prstGeom prst="line">
             <a:avLst/>
           </a:prstGeom>
-          <a:ln w="1">
+          <a:ln w="12700">
             <a:solidFill>
               <a:srgbClr val="000000"/>
             </a:solidFill>
@@ -3299,7 +3299,7 @@
           <a:prstGeom prst="line">
             <a:avLst/>
           </a:prstGeom>
-          <a:ln w="1">
+          <a:ln w="12700">
             <a:solidFill>
               <a:srgbClr val="000000"/>
             </a:solidFill>
@@ -3335,7 +3335,7 @@
           <a:prstGeom prst="line">
             <a:avLst/>
           </a:prstGeom>
-          <a:ln w="1">
+          <a:ln w="12700">
             <a:solidFill>
               <a:srgbClr val="000000"/>
             </a:solidFill>
@@ -3370,7 +3370,7 @@
           <a:prstGeom prst="line">
             <a:avLst/>
           </a:prstGeom>
-          <a:ln w="1">
+          <a:ln w="12700">
             <a:solidFill>
               <a:srgbClr val="000000"/>
             </a:solidFill>
@@ -3405,7 +3405,7 @@
           <a:prstGeom prst="line">
             <a:avLst/>
           </a:prstGeom>
-          <a:ln w="1">
+          <a:ln w="12700">
             <a:solidFill>
               <a:srgbClr val="000000"/>
             </a:solidFill>
@@ -3440,7 +3440,7 @@
           <a:prstGeom prst="line">
             <a:avLst/>
           </a:prstGeom>
-          <a:ln w="1">
+          <a:ln w="12700">
             <a:solidFill>
               <a:srgbClr val="000000"/>
             </a:solidFill>
@@ -3475,7 +3475,7 @@
           <a:prstGeom prst="line">
             <a:avLst/>
           </a:prstGeom>
-          <a:ln w="1">
+          <a:ln w="12700">
             <a:solidFill>
               <a:srgbClr val="000000"/>
             </a:solidFill>
@@ -3511,7 +3511,7 @@
           <a:prstGeom prst="line">
             <a:avLst/>
           </a:prstGeom>
-          <a:ln w="1">
+          <a:ln w="12700">
             <a:solidFill>
               <a:srgbClr val="000000"/>
             </a:solidFill>
@@ -3546,7 +3546,7 @@
           <a:prstGeom prst="line">
             <a:avLst/>
           </a:prstGeom>
-          <a:ln w="1">
+          <a:ln w="12700">
             <a:solidFill>
               <a:srgbClr val="000000"/>
             </a:solidFill>
@@ -3582,7 +3582,7 @@
           <a:prstGeom prst="line">
             <a:avLst/>
           </a:prstGeom>
-          <a:ln w="1">
+          <a:ln w="12700">
             <a:solidFill>
               <a:srgbClr val="000000"/>
             </a:solidFill>
@@ -3617,7 +3617,7 @@
           <a:prstGeom prst="line">
             <a:avLst/>
           </a:prstGeom>
-          <a:ln w="1">
+          <a:ln w="12700">
             <a:solidFill>
               <a:srgbClr val="000000"/>
             </a:solidFill>
@@ -3652,7 +3652,7 @@
           <a:prstGeom prst="line">
             <a:avLst/>
           </a:prstGeom>
-          <a:ln w="1">
+          <a:ln w="12700">
             <a:solidFill>
               <a:srgbClr val="000000"/>
             </a:solidFill>
@@ -3720,7 +3720,7 @@
           <a:prstGeom prst="line">
             <a:avLst/>
           </a:prstGeom>
-          <a:ln w="1">
+          <a:ln w="12700">
             <a:solidFill>
               <a:srgbClr val="000000"/>
             </a:solidFill>
@@ -3755,7 +3755,7 @@
           <a:prstGeom prst="line">
             <a:avLst/>
           </a:prstGeom>
-          <a:ln w="1">
+          <a:ln w="12700">
             <a:solidFill>
               <a:srgbClr val="000000"/>
             </a:solidFill>
@@ -3791,7 +3791,7 @@
           <a:prstGeom prst="line">
             <a:avLst/>
           </a:prstGeom>
-          <a:ln w="1">
+          <a:ln w="12700">
             <a:solidFill>
               <a:srgbClr val="000000"/>
             </a:solidFill>
@@ -3826,7 +3826,7 @@
           <a:prstGeom prst="line">
             <a:avLst/>
           </a:prstGeom>
-          <a:ln w="1">
+          <a:ln w="12700">
             <a:solidFill>
               <a:srgbClr val="000000"/>
             </a:solidFill>
@@ -3861,7 +3861,7 @@
           <a:prstGeom prst="line">
             <a:avLst/>
           </a:prstGeom>
-          <a:ln w="1">
+          <a:ln w="12700">
             <a:solidFill>
               <a:srgbClr val="000000"/>
             </a:solidFill>
@@ -3896,7 +3896,7 @@
           <a:prstGeom prst="line">
             <a:avLst/>
           </a:prstGeom>
-          <a:ln w="1">
+          <a:ln w="12700">
             <a:solidFill>
               <a:srgbClr val="000000"/>
             </a:solidFill>
@@ -3931,7 +3931,7 @@
           <a:prstGeom prst="line">
             <a:avLst/>
           </a:prstGeom>
-          <a:ln w="1">
+          <a:ln w="12700">
             <a:solidFill>
               <a:srgbClr val="000000"/>
             </a:solidFill>
@@ -3967,7 +3967,7 @@
           <a:prstGeom prst="line">
             <a:avLst/>
           </a:prstGeom>
-          <a:ln w="1">
+          <a:ln w="12700">
             <a:solidFill>
               <a:srgbClr val="000000"/>
             </a:solidFill>
@@ -4002,7 +4002,7 @@
           <a:prstGeom prst="line">
             <a:avLst/>
           </a:prstGeom>
-          <a:ln w="1">
+          <a:ln w="12700">
             <a:solidFill>
               <a:srgbClr val="000000"/>
             </a:solidFill>
@@ -4038,7 +4038,7 @@
           <a:prstGeom prst="line">
             <a:avLst/>
           </a:prstGeom>
-          <a:ln w="1">
+          <a:ln w="12700">
             <a:solidFill>
               <a:srgbClr val="000000"/>
             </a:solidFill>
@@ -4073,7 +4073,7 @@
           <a:prstGeom prst="line">
             <a:avLst/>
           </a:prstGeom>
-          <a:ln w="1">
+          <a:ln w="12700">
             <a:solidFill>
               <a:srgbClr val="000000"/>
             </a:solidFill>
@@ -4108,7 +4108,7 @@
           <a:prstGeom prst="line">
             <a:avLst/>
           </a:prstGeom>
-          <a:ln w="1">
+          <a:ln w="12700">
             <a:solidFill>
               <a:srgbClr val="000000"/>
             </a:solidFill>
@@ -4176,7 +4176,7 @@
           <a:prstGeom prst="line">
             <a:avLst/>
           </a:prstGeom>
-          <a:ln w="1">
+          <a:ln w="12700">
             <a:solidFill>
               <a:srgbClr val="000000"/>
             </a:solidFill>
@@ -4211,7 +4211,7 @@
           <a:prstGeom prst="line">
             <a:avLst/>
           </a:prstGeom>
-          <a:ln w="1">
+          <a:ln w="12700">
             <a:solidFill>
               <a:srgbClr val="000000"/>
             </a:solidFill>
@@ -4247,7 +4247,7 @@
           <a:prstGeom prst="line">
             <a:avLst/>
           </a:prstGeom>
-          <a:ln w="1">
+          <a:ln w="12700">
             <a:solidFill>
               <a:srgbClr val="000000"/>
             </a:solidFill>
@@ -4282,7 +4282,7 @@
           <a:prstGeom prst="line">
             <a:avLst/>
           </a:prstGeom>
-          <a:ln w="1">
+          <a:ln w="12700">
             <a:solidFill>
               <a:srgbClr val="000000"/>
             </a:solidFill>
@@ -4317,7 +4317,7 @@
           <a:prstGeom prst="line">
             <a:avLst/>
           </a:prstGeom>
-          <a:ln w="1">
+          <a:ln w="12700">
             <a:solidFill>
               <a:srgbClr val="000000"/>
             </a:solidFill>
@@ -4352,7 +4352,7 @@
           <a:prstGeom prst="line">
             <a:avLst/>
           </a:prstGeom>
-          <a:ln w="1">
+          <a:ln w="12700">
             <a:solidFill>
               <a:srgbClr val="000000"/>
             </a:solidFill>
@@ -4387,7 +4387,7 @@
           <a:prstGeom prst="line">
             <a:avLst/>
           </a:prstGeom>
-          <a:ln w="1">
+          <a:ln w="12700">
             <a:solidFill>
               <a:srgbClr val="000000"/>
             </a:solidFill>
@@ -4423,7 +4423,7 @@
           <a:prstGeom prst="line">
             <a:avLst/>
           </a:prstGeom>
-          <a:ln w="1">
+          <a:ln w="12700">
             <a:solidFill>
               <a:srgbClr val="000000"/>
             </a:solidFill>
@@ -4458,7 +4458,7 @@
           <a:prstGeom prst="line">
             <a:avLst/>
           </a:prstGeom>
-          <a:ln w="1">
+          <a:ln w="12700">
             <a:solidFill>
               <a:srgbClr val="000000"/>
             </a:solidFill>
@@ -4494,7 +4494,7 @@
           <a:prstGeom prst="line">
             <a:avLst/>
           </a:prstGeom>
-          <a:ln w="1">
+          <a:ln w="12700">
             <a:solidFill>
               <a:srgbClr val="000000"/>
             </a:solidFill>
@@ -4529,7 +4529,7 @@
           <a:prstGeom prst="line">
             <a:avLst/>
           </a:prstGeom>
-          <a:ln w="1">
+          <a:ln w="12700">
             <a:solidFill>
               <a:srgbClr val="000000"/>
             </a:solidFill>
@@ -4564,7 +4564,7 @@
           <a:prstGeom prst="line">
             <a:avLst/>
           </a:prstGeom>
-          <a:ln w="1">
+          <a:ln w="12700">
             <a:solidFill>
               <a:srgbClr val="000000"/>
             </a:solidFill>
@@ -4632,7 +4632,7 @@
           <a:prstGeom prst="line">
             <a:avLst/>
           </a:prstGeom>
-          <a:ln w="1">
+          <a:ln w="12700">
             <a:solidFill>
               <a:srgbClr val="000000"/>
             </a:solidFill>
@@ -4667,7 +4667,7 @@
           <a:prstGeom prst="line">
             <a:avLst/>
           </a:prstGeom>
-          <a:ln w="1">
+          <a:ln w="12700">
             <a:solidFill>
               <a:srgbClr val="000000"/>
             </a:solidFill>
@@ -4703,7 +4703,7 @@
           <a:prstGeom prst="line">
             <a:avLst/>
           </a:prstGeom>
-          <a:ln w="1">
+          <a:ln w="12700">
             <a:solidFill>
               <a:srgbClr val="000000"/>
             </a:solidFill>
@@ -4738,7 +4738,7 @@
           <a:prstGeom prst="line">
             <a:avLst/>
           </a:prstGeom>
-          <a:ln w="1">
+          <a:ln w="12700">
             <a:solidFill>
               <a:srgbClr val="000000"/>
             </a:solidFill>
@@ -4773,7 +4773,7 @@
           <a:prstGeom prst="line">
             <a:avLst/>
           </a:prstGeom>
-          <a:ln w="1">
+          <a:ln w="12700">
             <a:solidFill>
               <a:srgbClr val="000000"/>
             </a:solidFill>
@@ -4808,7 +4808,7 @@
           <a:prstGeom prst="line">
             <a:avLst/>
           </a:prstGeom>
-          <a:ln w="1">
+          <a:ln w="12700">
             <a:solidFill>
               <a:srgbClr val="000000"/>
             </a:solidFill>
@@ -4843,7 +4843,7 @@
           <a:prstGeom prst="line">
             <a:avLst/>
           </a:prstGeom>
-          <a:ln w="1">
+          <a:ln w="12700">
             <a:solidFill>
               <a:srgbClr val="000000"/>
             </a:solidFill>
@@ -4879,7 +4879,7 @@
           <a:prstGeom prst="line">
             <a:avLst/>
           </a:prstGeom>
-          <a:ln w="1">
+          <a:ln w="12700">
             <a:solidFill>
               <a:srgbClr val="000000"/>
             </a:solidFill>
@@ -4914,7 +4914,7 @@
           <a:prstGeom prst="line">
             <a:avLst/>
           </a:prstGeom>
-          <a:ln w="1">
+          <a:ln w="12700">
             <a:solidFill>
               <a:srgbClr val="000000"/>
             </a:solidFill>
@@ -4950,7 +4950,7 @@
           <a:prstGeom prst="line">
             <a:avLst/>
           </a:prstGeom>
-          <a:ln w="1">
+          <a:ln w="12700">
             <a:solidFill>
               <a:srgbClr val="000000"/>
             </a:solidFill>
@@ -4985,7 +4985,7 @@
           <a:prstGeom prst="line">
             <a:avLst/>
           </a:prstGeom>
-          <a:ln w="1">
+          <a:ln w="12700">
             <a:solidFill>
               <a:srgbClr val="000000"/>
             </a:solidFill>
@@ -5020,7 +5020,7 @@
           <a:prstGeom prst="line">
             <a:avLst/>
           </a:prstGeom>
-          <a:ln w="1">
+          <a:ln w="12700">
             <a:solidFill>
               <a:srgbClr val="000000"/>
             </a:solidFill>
@@ -5088,7 +5088,7 @@
           <a:prstGeom prst="line">
             <a:avLst/>
           </a:prstGeom>
-          <a:ln w="1">
+          <a:ln w="12700">
             <a:solidFill>
               <a:srgbClr val="000000"/>
             </a:solidFill>
@@ -5123,7 +5123,7 @@
           <a:prstGeom prst="line">
             <a:avLst/>
           </a:prstGeom>
-          <a:ln w="1">
+          <a:ln w="12700">
             <a:solidFill>
               <a:srgbClr val="000000"/>
             </a:solidFill>
@@ -5159,7 +5159,7 @@
           <a:prstGeom prst="line">
             <a:avLst/>
           </a:prstGeom>
-          <a:ln w="1">
+          <a:ln w="12700">
             <a:solidFill>
               <a:srgbClr val="000000"/>
             </a:solidFill>
@@ -5194,7 +5194,7 @@
           <a:prstGeom prst="line">
             <a:avLst/>
           </a:prstGeom>
-          <a:ln w="1">
+          <a:ln w="12700">
             <a:solidFill>
               <a:srgbClr val="000000"/>
             </a:solidFill>
@@ -5229,7 +5229,7 @@
           <a:prstGeom prst="line">
             <a:avLst/>
           </a:prstGeom>
-          <a:ln w="1">
+          <a:ln w="12700">
             <a:solidFill>
               <a:srgbClr val="000000"/>
             </a:solidFill>
@@ -5264,7 +5264,7 @@
           <a:prstGeom prst="line">
             <a:avLst/>
           </a:prstGeom>
-          <a:ln w="1">
+          <a:ln w="12700">
             <a:solidFill>
               <a:srgbClr val="000000"/>
             </a:solidFill>
@@ -5299,7 +5299,7 @@
           <a:prstGeom prst="line">
             <a:avLst/>
           </a:prstGeom>
-          <a:ln w="1">
+          <a:ln w="12700">
             <a:solidFill>
               <a:srgbClr val="000000"/>
             </a:solidFill>
@@ -5335,7 +5335,7 @@
           <a:prstGeom prst="line">
             <a:avLst/>
           </a:prstGeom>
-          <a:ln w="1">
+          <a:ln w="12700">
             <a:solidFill>
               <a:srgbClr val="000000"/>
             </a:solidFill>
@@ -5370,7 +5370,7 @@
           <a:prstGeom prst="line">
             <a:avLst/>
           </a:prstGeom>
-          <a:ln w="1">
+          <a:ln w="12700">
             <a:solidFill>
               <a:srgbClr val="000000"/>
             </a:solidFill>
@@ -5406,7 +5406,7 @@
           <a:prstGeom prst="line">
             <a:avLst/>
           </a:prstGeom>
-          <a:ln w="1">
+          <a:ln w="12700">
             <a:solidFill>
               <a:srgbClr val="000000"/>
             </a:solidFill>
@@ -5441,7 +5441,7 @@
           <a:prstGeom prst="line">
             <a:avLst/>
           </a:prstGeom>
-          <a:ln w="1">
+          <a:ln w="12700">
             <a:solidFill>
               <a:srgbClr val="000000"/>
             </a:solidFill>
@@ -5476,7 +5476,7 @@
           <a:prstGeom prst="line">
             <a:avLst/>
           </a:prstGeom>
-          <a:ln w="1">
+          <a:ln w="12700">
             <a:solidFill>
               <a:srgbClr val="000000"/>
             </a:solidFill>
@@ -5544,7 +5544,7 @@
           <a:prstGeom prst="line">
             <a:avLst/>
           </a:prstGeom>
-          <a:ln w="1">
+          <a:ln w="12700">
             <a:solidFill>
               <a:srgbClr val="000000"/>
             </a:solidFill>
@@ -5579,7 +5579,7 @@
           <a:prstGeom prst="line">
             <a:avLst/>
           </a:prstGeom>
-          <a:ln w="1">
+          <a:ln w="12700">
             <a:solidFill>
               <a:srgbClr val="000000"/>
             </a:solidFill>
@@ -5614,7 +5614,7 @@
           <a:prstGeom prst="line">
             <a:avLst/>
           </a:prstGeom>
-          <a:ln w="1">
+          <a:ln w="12700">
             <a:solidFill>
               <a:srgbClr val="000000"/>
             </a:solidFill>
@@ -5649,7 +5649,7 @@
           <a:prstGeom prst="line">
             <a:avLst/>
           </a:prstGeom>
-          <a:ln w="1">
+          <a:ln w="12700">
             <a:solidFill>
               <a:srgbClr val="000000"/>
             </a:solidFill>
@@ -5717,7 +5717,7 @@
           <a:prstGeom prst="line">
             <a:avLst/>
           </a:prstGeom>
-          <a:ln w="1">
+          <a:ln w="12700">
             <a:solidFill>
               <a:srgbClr val="000000"/>
             </a:solidFill>
@@ -5752,7 +5752,7 @@
           <a:prstGeom prst="line">
             <a:avLst/>
           </a:prstGeom>
-          <a:ln w="1">
+          <a:ln w="12700">
             <a:solidFill>
               <a:srgbClr val="000000"/>
             </a:solidFill>
@@ -5787,7 +5787,7 @@
           <a:prstGeom prst="line">
             <a:avLst/>
           </a:prstGeom>
-          <a:ln w="1">
+          <a:ln w="12700">
             <a:solidFill>
               <a:srgbClr val="000000"/>
             </a:solidFill>
@@ -5822,7 +5822,7 @@
           <a:prstGeom prst="line">
             <a:avLst/>
           </a:prstGeom>
-          <a:ln w="1">
+          <a:ln w="12700">
             <a:solidFill>
               <a:srgbClr val="000000"/>
             </a:solidFill>
@@ -5890,7 +5890,7 @@
           <a:prstGeom prst="line">
             <a:avLst/>
           </a:prstGeom>
-          <a:ln w="1">
+          <a:ln w="12700">
             <a:solidFill>
               <a:srgbClr val="000000"/>
             </a:solidFill>
@@ -5925,7 +5925,7 @@
           <a:prstGeom prst="line">
             <a:avLst/>
           </a:prstGeom>
-          <a:ln w="1">
+          <a:ln w="12700">
             <a:solidFill>
               <a:srgbClr val="000000"/>
             </a:solidFill>
@@ -5960,7 +5960,7 @@
           <a:prstGeom prst="line">
             <a:avLst/>
           </a:prstGeom>
-          <a:ln w="1">
+          <a:ln w="12700">
             <a:solidFill>
               <a:srgbClr val="000000"/>
             </a:solidFill>
@@ -5995,7 +5995,7 @@
           <a:prstGeom prst="line">
             <a:avLst/>
           </a:prstGeom>
-          <a:ln w="1">
+          <a:ln w="12700">
             <a:solidFill>
               <a:srgbClr val="000000"/>
             </a:solidFill>
@@ -6063,7 +6063,7 @@
           <a:prstGeom prst="line">
             <a:avLst/>
           </a:prstGeom>
-          <a:ln w="1">
+          <a:ln w="12700">
             <a:solidFill>
               <a:srgbClr val="000000"/>
             </a:solidFill>
@@ -6098,7 +6098,7 @@
           <a:prstGeom prst="line">
             <a:avLst/>
           </a:prstGeom>
-          <a:ln w="1">
+          <a:ln w="12700">
             <a:solidFill>
               <a:srgbClr val="000000"/>
             </a:solidFill>
@@ -6133,7 +6133,7 @@
           <a:prstGeom prst="line">
             <a:avLst/>
           </a:prstGeom>
-          <a:ln w="1">
+          <a:ln w="12700">
             <a:solidFill>
               <a:srgbClr val="000000"/>
             </a:solidFill>
@@ -6168,7 +6168,7 @@
           <a:prstGeom prst="line">
             <a:avLst/>
           </a:prstGeom>
-          <a:ln w="1">
+          <a:ln w="12700">
             <a:solidFill>
               <a:srgbClr val="000000"/>
             </a:solidFill>
@@ -6236,7 +6236,7 @@
           <a:prstGeom prst="line">
             <a:avLst/>
           </a:prstGeom>
-          <a:ln w="1">
+          <a:ln w="12700">
             <a:solidFill>
               <a:srgbClr val="0000FF"/>
             </a:solidFill>
@@ -6271,7 +6271,7 @@
           <a:prstGeom prst="line">
             <a:avLst/>
           </a:prstGeom>
-          <a:ln w="1">
+          <a:ln w="12700">
             <a:solidFill>
               <a:srgbClr val="0000FF"/>
             </a:solidFill>
@@ -6307,7 +6307,7 @@
           <a:prstGeom prst="line">
             <a:avLst/>
           </a:prstGeom>
-          <a:ln w="1">
+          <a:ln w="12700">
             <a:solidFill>
               <a:srgbClr val="0000FF"/>
             </a:solidFill>
@@ -6342,7 +6342,7 @@
           <a:prstGeom prst="line">
             <a:avLst/>
           </a:prstGeom>
-          <a:ln w="1">
+          <a:ln w="12700">
             <a:solidFill>
               <a:srgbClr val="0000FF"/>
             </a:solidFill>
@@ -6377,7 +6377,7 @@
           <a:prstGeom prst="line">
             <a:avLst/>
           </a:prstGeom>
-          <a:ln w="1">
+          <a:ln w="12700">
             <a:solidFill>
               <a:srgbClr val="0000FF"/>
             </a:solidFill>
@@ -6412,7 +6412,7 @@
           <a:prstGeom prst="line">
             <a:avLst/>
           </a:prstGeom>
-          <a:ln w="1">
+          <a:ln w="12700">
             <a:solidFill>
               <a:srgbClr val="0000FF"/>
             </a:solidFill>
@@ -6447,7 +6447,7 @@
           <a:prstGeom prst="line">
             <a:avLst/>
           </a:prstGeom>
-          <a:ln w="1">
+          <a:ln w="12700">
             <a:solidFill>
               <a:srgbClr val="0000FF"/>
             </a:solidFill>
@@ -6483,7 +6483,7 @@
           <a:prstGeom prst="line">
             <a:avLst/>
           </a:prstGeom>
-          <a:ln w="1">
+          <a:ln w="12700">
             <a:solidFill>
               <a:srgbClr val="0000FF"/>
             </a:solidFill>
@@ -6518,7 +6518,7 @@
           <a:prstGeom prst="line">
             <a:avLst/>
           </a:prstGeom>
-          <a:ln w="1">
+          <a:ln w="12700">
             <a:solidFill>
               <a:srgbClr val="0000FF"/>
             </a:solidFill>
@@ -6554,7 +6554,7 @@
           <a:prstGeom prst="line">
             <a:avLst/>
           </a:prstGeom>
-          <a:ln w="1">
+          <a:ln w="12700">
             <a:solidFill>
               <a:srgbClr val="0000FF"/>
             </a:solidFill>
@@ -6589,7 +6589,7 @@
           <a:prstGeom prst="line">
             <a:avLst/>
           </a:prstGeom>
-          <a:ln w="1">
+          <a:ln w="12700">
             <a:solidFill>
               <a:srgbClr val="0000FF"/>
             </a:solidFill>
@@ -6624,7 +6624,7 @@
           <a:prstGeom prst="line">
             <a:avLst/>
           </a:prstGeom>
-          <a:ln w="1">
+          <a:ln w="12700">
             <a:solidFill>
               <a:srgbClr val="0000FF"/>
             </a:solidFill>
@@ -6659,7 +6659,7 @@
           <a:prstGeom prst="line">
             <a:avLst/>
           </a:prstGeom>
-          <a:ln w="1">
+          <a:ln w="12700">
             <a:solidFill>
               <a:srgbClr val="0000FF"/>
             </a:solidFill>
@@ -6694,7 +6694,7 @@
           <a:prstGeom prst="line">
             <a:avLst/>
           </a:prstGeom>
-          <a:ln w="1">
+          <a:ln w="12700">
             <a:solidFill>
               <a:srgbClr val="0000FF"/>
             </a:solidFill>
@@ -6795,7 +6795,7 @@
           <a:prstGeom prst="line">
             <a:avLst/>
           </a:prstGeom>
-          <a:ln w="1">
+          <a:ln w="12700">
             <a:solidFill>
               <a:srgbClr val="0000FF"/>
             </a:solidFill>
@@ -6830,7 +6830,7 @@
           <a:prstGeom prst="line">
             <a:avLst/>
           </a:prstGeom>
-          <a:ln w="1">
+          <a:ln w="12700">
             <a:solidFill>
               <a:srgbClr val="0000FF"/>
             </a:solidFill>
@@ -6866,7 +6866,7 @@
           <a:prstGeom prst="line">
             <a:avLst/>
           </a:prstGeom>
-          <a:ln w="1">
+          <a:ln w="12700">
             <a:solidFill>
               <a:srgbClr val="0000FF"/>
             </a:solidFill>
@@ -6901,7 +6901,7 @@
           <a:prstGeom prst="line">
             <a:avLst/>
           </a:prstGeom>
-          <a:ln w="1">
+          <a:ln w="12700">
             <a:solidFill>
               <a:srgbClr val="0000FF"/>
             </a:solidFill>
@@ -6936,7 +6936,7 @@
           <a:prstGeom prst="line">
             <a:avLst/>
           </a:prstGeom>
-          <a:ln w="1">
+          <a:ln w="12700">
             <a:solidFill>
               <a:srgbClr val="0000FF"/>
             </a:solidFill>
@@ -6971,7 +6971,7 @@
           <a:prstGeom prst="line">
             <a:avLst/>
           </a:prstGeom>
-          <a:ln w="1">
+          <a:ln w="12700">
             <a:solidFill>
               <a:srgbClr val="0000FF"/>
             </a:solidFill>
@@ -7006,7 +7006,7 @@
           <a:prstGeom prst="line">
             <a:avLst/>
           </a:prstGeom>
-          <a:ln w="1">
+          <a:ln w="12700">
             <a:solidFill>
               <a:srgbClr val="0000FF"/>
             </a:solidFill>
@@ -7042,7 +7042,7 @@
           <a:prstGeom prst="line">
             <a:avLst/>
           </a:prstGeom>
-          <a:ln w="1">
+          <a:ln w="12700">
             <a:solidFill>
               <a:srgbClr val="0000FF"/>
             </a:solidFill>
@@ -7077,7 +7077,7 @@
           <a:prstGeom prst="line">
             <a:avLst/>
           </a:prstGeom>
-          <a:ln w="1">
+          <a:ln w="12700">
             <a:solidFill>
               <a:srgbClr val="0000FF"/>
             </a:solidFill>
@@ -7113,7 +7113,7 @@
           <a:prstGeom prst="line">
             <a:avLst/>
           </a:prstGeom>
-          <a:ln w="1">
+          <a:ln w="12700">
             <a:solidFill>
               <a:srgbClr val="0000FF"/>
             </a:solidFill>
@@ -7148,7 +7148,7 @@
           <a:prstGeom prst="line">
             <a:avLst/>
           </a:prstGeom>
-          <a:ln w="1">
+          <a:ln w="12700">
             <a:solidFill>
               <a:srgbClr val="0000FF"/>
             </a:solidFill>
@@ -7183,7 +7183,7 @@
           <a:prstGeom prst="line">
             <a:avLst/>
           </a:prstGeom>
-          <a:ln w="1">
+          <a:ln w="12700">
             <a:solidFill>
               <a:srgbClr val="0000FF"/>
             </a:solidFill>
@@ -7218,7 +7218,7 @@
           <a:prstGeom prst="line">
             <a:avLst/>
           </a:prstGeom>
-          <a:ln w="1">
+          <a:ln w="12700">
             <a:solidFill>
               <a:srgbClr val="0000FF"/>
             </a:solidFill>
@@ -7253,7 +7253,7 @@
           <a:prstGeom prst="line">
             <a:avLst/>
           </a:prstGeom>
-          <a:ln w="1">
+          <a:ln w="12700">
             <a:solidFill>
               <a:srgbClr val="0000FF"/>
             </a:solidFill>
@@ -7354,7 +7354,7 @@
           <a:prstGeom prst="line">
             <a:avLst/>
           </a:prstGeom>
-          <a:ln w="1">
+          <a:ln w="12700">
             <a:solidFill>
               <a:srgbClr val="0000FF"/>
             </a:solidFill>
@@ -7389,7 +7389,7 @@
           <a:prstGeom prst="line">
             <a:avLst/>
           </a:prstGeom>
-          <a:ln w="1">
+          <a:ln w="12700">
             <a:solidFill>
               <a:srgbClr val="0000FF"/>
             </a:solidFill>
@@ -7425,7 +7425,7 @@
           <a:prstGeom prst="line">
             <a:avLst/>
           </a:prstGeom>
-          <a:ln w="1">
+          <a:ln w="12700">
             <a:solidFill>
               <a:srgbClr val="0000FF"/>
             </a:solidFill>
@@ -7460,7 +7460,7 @@
           <a:prstGeom prst="line">
             <a:avLst/>
           </a:prstGeom>
-          <a:ln w="1">
+          <a:ln w="12700">
             <a:solidFill>
               <a:srgbClr val="0000FF"/>
             </a:solidFill>
@@ -7495,7 +7495,7 @@
           <a:prstGeom prst="line">
             <a:avLst/>
           </a:prstGeom>
-          <a:ln w="1">
+          <a:ln w="12700">
             <a:solidFill>
               <a:srgbClr val="0000FF"/>
             </a:solidFill>
@@ -7530,7 +7530,7 @@
           <a:prstGeom prst="line">
             <a:avLst/>
           </a:prstGeom>
-          <a:ln w="1">
+          <a:ln w="12700">
             <a:solidFill>
               <a:srgbClr val="0000FF"/>
             </a:solidFill>
@@ -7565,7 +7565,7 @@
           <a:prstGeom prst="line">
             <a:avLst/>
           </a:prstGeom>
-          <a:ln w="1">
+          <a:ln w="12700">
             <a:solidFill>
               <a:srgbClr val="0000FF"/>
             </a:solidFill>
@@ -7601,7 +7601,7 @@
           <a:prstGeom prst="line">
             <a:avLst/>
           </a:prstGeom>
-          <a:ln w="1">
+          <a:ln w="12700">
             <a:solidFill>
               <a:srgbClr val="0000FF"/>
             </a:solidFill>
@@ -7636,7 +7636,7 @@
           <a:prstGeom prst="line">
             <a:avLst/>
           </a:prstGeom>
-          <a:ln w="1">
+          <a:ln w="12700">
             <a:solidFill>
               <a:srgbClr val="0000FF"/>
             </a:solidFill>
@@ -7672,7 +7672,7 @@
           <a:prstGeom prst="line">
             <a:avLst/>
           </a:prstGeom>
-          <a:ln w="1">
+          <a:ln w="12700">
             <a:solidFill>
               <a:srgbClr val="0000FF"/>
             </a:solidFill>
@@ -7707,7 +7707,7 @@
           <a:prstGeom prst="line">
             <a:avLst/>
           </a:prstGeom>
-          <a:ln w="1">
+          <a:ln w="12700">
             <a:solidFill>
               <a:srgbClr val="0000FF"/>
             </a:solidFill>
@@ -7742,7 +7742,7 @@
           <a:prstGeom prst="line">
             <a:avLst/>
           </a:prstGeom>
-          <a:ln w="1">
+          <a:ln w="12700">
             <a:solidFill>
               <a:srgbClr val="0000FF"/>
             </a:solidFill>
@@ -7777,7 +7777,7 @@
           <a:prstGeom prst="line">
             <a:avLst/>
           </a:prstGeom>
-          <a:ln w="1">
+          <a:ln w="12700">
             <a:solidFill>
               <a:srgbClr val="0000FF"/>
             </a:solidFill>
@@ -7812,7 +7812,7 @@
           <a:prstGeom prst="line">
             <a:avLst/>
           </a:prstGeom>
-          <a:ln w="1">
+          <a:ln w="12700">
             <a:solidFill>
               <a:srgbClr val="0000FF"/>
             </a:solidFill>
@@ -7913,7 +7913,7 @@
           <a:prstGeom prst="line">
             <a:avLst/>
           </a:prstGeom>
-          <a:ln w="1">
+          <a:ln w="12700">
             <a:solidFill>
               <a:srgbClr val="0000FF"/>
             </a:solidFill>
@@ -7948,7 +7948,7 @@
           <a:prstGeom prst="line">
             <a:avLst/>
           </a:prstGeom>
-          <a:ln w="1">
+          <a:ln w="12700">
             <a:solidFill>
               <a:srgbClr val="0000FF"/>
             </a:solidFill>
@@ -7984,7 +7984,7 @@
           <a:prstGeom prst="line">
             <a:avLst/>
           </a:prstGeom>
-          <a:ln w="1">
+          <a:ln w="12700">
             <a:solidFill>
               <a:srgbClr val="0000FF"/>
             </a:solidFill>
@@ -8019,7 +8019,7 @@
           <a:prstGeom prst="line">
             <a:avLst/>
           </a:prstGeom>
-          <a:ln w="1">
+          <a:ln w="12700">
             <a:solidFill>
               <a:srgbClr val="0000FF"/>
             </a:solidFill>
@@ -8054,7 +8054,7 @@
           <a:prstGeom prst="line">
             <a:avLst/>
           </a:prstGeom>
-          <a:ln w="1">
+          <a:ln w="12700">
             <a:solidFill>
               <a:srgbClr val="0000FF"/>
             </a:solidFill>
@@ -8089,7 +8089,7 @@
           <a:prstGeom prst="line">
             <a:avLst/>
           </a:prstGeom>
-          <a:ln w="1">
+          <a:ln w="12700">
             <a:solidFill>
               <a:srgbClr val="0000FF"/>
             </a:solidFill>
@@ -8124,7 +8124,7 @@
           <a:prstGeom prst="line">
             <a:avLst/>
           </a:prstGeom>
-          <a:ln w="1">
+          <a:ln w="12700">
             <a:solidFill>
               <a:srgbClr val="0000FF"/>
             </a:solidFill>
@@ -8160,7 +8160,7 @@
           <a:prstGeom prst="line">
             <a:avLst/>
           </a:prstGeom>
-          <a:ln w="1">
+          <a:ln w="12700">
             <a:solidFill>
               <a:srgbClr val="0000FF"/>
             </a:solidFill>
@@ -8195,7 +8195,7 @@
           <a:prstGeom prst="line">
             <a:avLst/>
           </a:prstGeom>
-          <a:ln w="1">
+          <a:ln w="12700">
             <a:solidFill>
               <a:srgbClr val="0000FF"/>
             </a:solidFill>
@@ -8231,7 +8231,7 @@
           <a:prstGeom prst="line">
             <a:avLst/>
           </a:prstGeom>
-          <a:ln w="1">
+          <a:ln w="12700">
             <a:solidFill>
               <a:srgbClr val="0000FF"/>
             </a:solidFill>
@@ -8266,7 +8266,7 @@
           <a:prstGeom prst="line">
             <a:avLst/>
           </a:prstGeom>
-          <a:ln w="1">
+          <a:ln w="12700">
             <a:solidFill>
               <a:srgbClr val="0000FF"/>
             </a:solidFill>
@@ -8301,7 +8301,7 @@
           <a:prstGeom prst="line">
             <a:avLst/>
           </a:prstGeom>
-          <a:ln w="1">
+          <a:ln w="12700">
             <a:solidFill>
               <a:srgbClr val="0000FF"/>
             </a:solidFill>
@@ -8336,7 +8336,7 @@
           <a:prstGeom prst="line">
             <a:avLst/>
           </a:prstGeom>
-          <a:ln w="1">
+          <a:ln w="12700">
             <a:solidFill>
               <a:srgbClr val="0000FF"/>
             </a:solidFill>
@@ -8371,7 +8371,7 @@
           <a:prstGeom prst="line">
             <a:avLst/>
           </a:prstGeom>
-          <a:ln w="1">
+          <a:ln w="12700">
             <a:solidFill>
               <a:srgbClr val="0000FF"/>
             </a:solidFill>
@@ -8538,7 +8538,7 @@
           <a:prstGeom prst="line">
             <a:avLst/>
           </a:prstGeom>
-          <a:ln w="1">
+          <a:ln w="12700">
             <a:solidFill>
               <a:srgbClr val="0000FF"/>
             </a:solidFill>
@@ -8574,7 +8574,7 @@
           <a:prstGeom prst="line">
             <a:avLst/>
           </a:prstGeom>
-          <a:ln w="1">
+          <a:ln w="12700">
             <a:solidFill>
               <a:srgbClr val="0000FF"/>
             </a:solidFill>
@@ -8643,7 +8643,7 @@
           <a:prstGeom prst="line">
             <a:avLst/>
           </a:prstGeom>
-          <a:ln w="1">
+          <a:ln w="12700">
             <a:solidFill>
               <a:srgbClr val="0000FF"/>
             </a:solidFill>
@@ -8679,7 +8679,7 @@
           <a:prstGeom prst="line">
             <a:avLst/>
           </a:prstGeom>
-          <a:ln w="1">
+          <a:ln w="12700">
             <a:solidFill>
               <a:srgbClr val="0000FF"/>
             </a:solidFill>
@@ -8748,7 +8748,7 @@
           <a:prstGeom prst="line">
             <a:avLst/>
           </a:prstGeom>
-          <a:ln w="1">
+          <a:ln w="12700">
             <a:solidFill>
               <a:srgbClr val="0000FF"/>
             </a:solidFill>
@@ -8784,7 +8784,7 @@
           <a:prstGeom prst="line">
             <a:avLst/>
           </a:prstGeom>
-          <a:ln w="1">
+          <a:ln w="12700">
             <a:solidFill>
               <a:srgbClr val="0000FF"/>
             </a:solidFill>
@@ -8853,7 +8853,7 @@
           <a:prstGeom prst="line">
             <a:avLst/>
           </a:prstGeom>
-          <a:ln w="1">
+          <a:ln w="12700">
             <a:solidFill>
               <a:srgbClr val="0000FF"/>
             </a:solidFill>
@@ -8889,7 +8889,7 @@
           <a:prstGeom prst="line">
             <a:avLst/>
           </a:prstGeom>
-          <a:ln w="1">
+          <a:ln w="12700">
             <a:solidFill>
               <a:srgbClr val="0000FF"/>
             </a:solidFill>
@@ -8958,7 +8958,7 @@
           <a:prstGeom prst="line">
             <a:avLst/>
           </a:prstGeom>
-          <a:ln w="1">
+          <a:ln w="12700">
             <a:solidFill>
               <a:srgbClr val="0000FF"/>
             </a:solidFill>
@@ -8994,7 +8994,7 @@
           <a:prstGeom prst="line">
             <a:avLst/>
           </a:prstGeom>
-          <a:ln w="1">
+          <a:ln w="12700">
             <a:solidFill>
               <a:srgbClr val="0000FF"/>
             </a:solidFill>
@@ -9063,7 +9063,7 @@
           <a:prstGeom prst="line">
             <a:avLst/>
           </a:prstGeom>
-          <a:ln w="1">
+          <a:ln w="12700">
             <a:solidFill>
               <a:srgbClr val="0000FF"/>
             </a:solidFill>
@@ -9099,7 +9099,7 @@
           <a:prstGeom prst="line">
             <a:avLst/>
           </a:prstGeom>
-          <a:ln w="1">
+          <a:ln w="12700">
             <a:solidFill>
               <a:srgbClr val="0000FF"/>
             </a:solidFill>
